--- a/Final Project - Draft report.pptx
+++ b/Final Project - Draft report.pptx
@@ -4142,7 +4142,7 @@
         <a:p>
           <a:r>
             <a:rPr lang="en-US" sz="2000" dirty="0"/>
-            <a:t>Motivation</a:t>
+            <a:t>Summary</a:t>
           </a:r>
           <a:endParaRPr lang="en-CA" sz="2000" dirty="0"/>
         </a:p>
@@ -4177,13 +4177,13 @@
         <a:bodyPr/>
         <a:lstStyle/>
         <a:p>
-          <a:pPr>
-            <a:buFont typeface="Wingdings" panose="05000000000000000000" pitchFamily="2" charset="2"/>
-            <a:buChar char="q"/>
+          <a:pPr marL="171450">
+            <a:buFont typeface="Arial" panose="020B0604020202020204" pitchFamily="34" charset="0"/>
+            <a:buChar char="•"/>
           </a:pPr>
           <a:r>
             <a:rPr lang="en-CA" sz="1600" kern="1200" dirty="0"/>
-            <a:t> Our motivation is to build a weather forecasting model focusing on daily temperature  </a:t>
+            <a:t>For this project, we wanted to build a weather forecasting model focusing on daily temperature. Given that the data is in a time series format, we decided to run the analysis on two types of models and then compare the results to see which model provides more accurate predictions. </a:t>
           </a:r>
         </a:p>
       </dgm:t>
@@ -4341,6 +4341,8 @@
             <a:spcAft>
               <a:spcPct val="15000"/>
             </a:spcAft>
+            <a:buFont typeface="Arial" panose="020B0604020202020204" pitchFamily="34" charset="0"/>
+            <a:buChar char="•"/>
           </a:pPr>
           <a:r>
             <a:rPr lang="en-US" sz="1400" kern="1200" dirty="0">
@@ -4459,6 +4461,8 @@
             <a:spcAft>
               <a:spcPct val="15000"/>
             </a:spcAft>
+            <a:buFont typeface="Arial" panose="020B0604020202020204" pitchFamily="34" charset="0"/>
+            <a:buChar char="•"/>
           </a:pPr>
           <a:r>
             <a:rPr lang="en-US" sz="1400" kern="1200" dirty="0">
@@ -4494,6 +4498,94 @@
       </dgm:t>
     </dgm:pt>
     <dgm:pt modelId="{7B796AB1-596D-4A05-A5ED-A8514593D883}" type="sibTrans" cxnId="{B05E1A89-59A9-4277-A966-A67E5D0B149A}">
+      <dgm:prSet/>
+      <dgm:spPr/>
+      <dgm:t>
+        <a:bodyPr/>
+        <a:lstStyle/>
+        <a:p>
+          <a:endParaRPr lang="en-US"/>
+        </a:p>
+      </dgm:t>
+    </dgm:pt>
+    <dgm:pt modelId="{A1B4AD1A-828D-457F-8C06-DEB0F06BAE25}">
+      <dgm:prSet phldrT="[Text]" custT="1"/>
+      <dgm:spPr/>
+      <dgm:t>
+        <a:bodyPr/>
+        <a:lstStyle/>
+        <a:p>
+          <a:pPr marL="365760">
+            <a:buFont typeface="Courier New" panose="02070309020205020404" pitchFamily="49" charset="0"/>
+            <a:buChar char="o"/>
+          </a:pPr>
+          <a:r>
+            <a:rPr lang="en-US" sz="1600" kern="1200" dirty="0"/>
+            <a:t>Autoregressive integrated moving average (</a:t>
+          </a:r>
+          <a:r>
+            <a:rPr lang="en-CA" sz="1600" kern="1200" dirty="0"/>
+            <a:t>ARIMA)</a:t>
+          </a:r>
+        </a:p>
+      </dgm:t>
+    </dgm:pt>
+    <dgm:pt modelId="{CEFC42E8-7D0C-4CAC-B23C-49633AB1AE88}" type="parTrans" cxnId="{3345AED6-7370-42B5-856F-A2F3C21F7A1D}">
+      <dgm:prSet/>
+      <dgm:spPr/>
+      <dgm:t>
+        <a:bodyPr/>
+        <a:lstStyle/>
+        <a:p>
+          <a:endParaRPr lang="en-US"/>
+        </a:p>
+      </dgm:t>
+    </dgm:pt>
+    <dgm:pt modelId="{02322AD8-19C6-465E-8295-0A8A5781765E}" type="sibTrans" cxnId="{3345AED6-7370-42B5-856F-A2F3C21F7A1D}">
+      <dgm:prSet/>
+      <dgm:spPr/>
+      <dgm:t>
+        <a:bodyPr/>
+        <a:lstStyle/>
+        <a:p>
+          <a:endParaRPr lang="en-US"/>
+        </a:p>
+      </dgm:t>
+    </dgm:pt>
+    <dgm:pt modelId="{5C524F21-1A7E-47A4-B4B0-AA9BC495AB1A}">
+      <dgm:prSet phldrT="[Text]" custT="1"/>
+      <dgm:spPr/>
+      <dgm:t>
+        <a:bodyPr/>
+        <a:lstStyle/>
+        <a:p>
+          <a:pPr marL="365760">
+            <a:buFont typeface="Courier New" panose="02070309020205020404" pitchFamily="49" charset="0"/>
+            <a:buChar char="o"/>
+          </a:pPr>
+          <a:r>
+            <a:rPr lang="en-US" sz="1600" kern="1200" dirty="0"/>
+            <a:t>Long short-term memory (</a:t>
+          </a:r>
+          <a:r>
+            <a:rPr lang="en-CA" sz="1600" kern="1200" dirty="0"/>
+            <a:t>LSTM) neural network model</a:t>
+          </a:r>
+        </a:p>
+      </dgm:t>
+    </dgm:pt>
+    <dgm:pt modelId="{7143EA10-D619-451C-A7C0-BE6A612627F8}" type="parTrans" cxnId="{E839D846-67B1-4ACF-B05A-9506424B5DCF}">
+      <dgm:prSet/>
+      <dgm:spPr/>
+      <dgm:t>
+        <a:bodyPr/>
+        <a:lstStyle/>
+        <a:p>
+          <a:endParaRPr lang="en-US"/>
+        </a:p>
+      </dgm:t>
+    </dgm:pt>
+    <dgm:pt modelId="{7054514C-DC6A-4617-9681-5DA5CC1971ED}" type="sibTrans" cxnId="{E839D846-67B1-4ACF-B05A-9506424B5DCF}">
       <dgm:prSet/>
       <dgm:spPr/>
       <dgm:t>
@@ -4582,7 +4674,9 @@
     <dgm:cxn modelId="{7D7D791C-FD0F-4B6F-9612-485234A165F7}" type="presOf" srcId="{70FF2F49-169B-4CA5-AF33-01EC064381FC}" destId="{4A66DD4C-C734-43ED-93ED-5A3E6F957452}" srcOrd="0" destOrd="0" presId="urn:microsoft.com/office/officeart/2005/8/layout/list1"/>
     <dgm:cxn modelId="{1C31EB3D-21C3-409B-B91C-B9AD1C3147CB}" srcId="{70FF2F49-169B-4CA5-AF33-01EC064381FC}" destId="{8ACD82AE-FDC0-49A7-B511-2E91C4474BF2}" srcOrd="2" destOrd="0" parTransId="{2B8546A7-DF49-4890-BE72-DD614D9023E2}" sibTransId="{40B20249-8FFA-435F-A5DA-FDD2E33AE44B}"/>
     <dgm:cxn modelId="{219B1D3E-0D48-410D-8C0A-4432FF54F557}" type="presOf" srcId="{F346058B-1739-4FFC-A9E4-7FA92CADFF5D}" destId="{2F047876-6753-45F2-B4C8-FF21943EF401}" srcOrd="0" destOrd="0" presId="urn:microsoft.com/office/officeart/2005/8/layout/list1"/>
+    <dgm:cxn modelId="{8304DF3F-E820-456A-8688-2772B223C1FB}" type="presOf" srcId="{A1B4AD1A-828D-457F-8C06-DEB0F06BAE25}" destId="{434D05BC-1BF7-4A74-A697-B392A0706546}" srcOrd="0" destOrd="1" presId="urn:microsoft.com/office/officeart/2005/8/layout/list1"/>
     <dgm:cxn modelId="{4B029B5E-E9C4-479C-8D6D-7FE46DBF897F}" type="presOf" srcId="{BAC25BB8-69EF-490B-A84A-37E089960B0E}" destId="{2F81915F-14F6-466D-A6CF-5F1ACF3C1657}" srcOrd="0" destOrd="3" presId="urn:microsoft.com/office/officeart/2005/8/layout/list1"/>
+    <dgm:cxn modelId="{E839D846-67B1-4ACF-B05A-9506424B5DCF}" srcId="{BF68794F-CE8C-4B65-9781-0F962F70BAF8}" destId="{5C524F21-1A7E-47A4-B4B0-AA9BC495AB1A}" srcOrd="2" destOrd="0" parTransId="{7143EA10-D619-451C-A7C0-BE6A612627F8}" sibTransId="{7054514C-DC6A-4617-9681-5DA5CC1971ED}"/>
     <dgm:cxn modelId="{45E05467-BBD6-46D5-B9CB-1E26A4EC3146}" type="presOf" srcId="{70FF2F49-169B-4CA5-AF33-01EC064381FC}" destId="{0ADA4083-5148-4249-AE0F-B34FCCBE0999}" srcOrd="1" destOrd="0" presId="urn:microsoft.com/office/officeart/2005/8/layout/list1"/>
     <dgm:cxn modelId="{49E8A868-E4C5-46D2-B263-21582A745E5E}" srcId="{70FF2F49-169B-4CA5-AF33-01EC064381FC}" destId="{E5AC3421-00E5-450E-B2F3-9EBB2DC2281F}" srcOrd="0" destOrd="0" parTransId="{2A02B91F-2462-415A-A8AD-7C33176C57C1}" sibTransId="{C94AF991-ED01-45FF-8D1E-14F72FC60B4D}"/>
     <dgm:cxn modelId="{D47A517C-4DDE-4E56-8FA7-E4AC5446DFF0}" type="presOf" srcId="{8ACD82AE-FDC0-49A7-B511-2E91C4474BF2}" destId="{2F81915F-14F6-466D-A6CF-5F1ACF3C1657}" srcOrd="0" destOrd="2" presId="urn:microsoft.com/office/officeart/2005/8/layout/list1"/>
@@ -4593,6 +4687,8 @@
     <dgm:cxn modelId="{364BE3AB-CE01-4699-8F4A-A1ED95C151C2}" type="presOf" srcId="{5DB4A350-B76E-4FAC-9D67-E86029D42CBD}" destId="{434D05BC-1BF7-4A74-A697-B392A0706546}" srcOrd="0" destOrd="0" presId="urn:microsoft.com/office/officeart/2005/8/layout/list1"/>
     <dgm:cxn modelId="{33BF8DBB-0DED-4E86-BAE4-D094351B15A1}" type="presOf" srcId="{7850E09D-A23A-41F4-8CD8-828853F667CE}" destId="{2F81915F-14F6-466D-A6CF-5F1ACF3C1657}" srcOrd="0" destOrd="1" presId="urn:microsoft.com/office/officeart/2005/8/layout/list1"/>
     <dgm:cxn modelId="{8B85CBD5-C5E5-4E74-BC40-565202349141}" srcId="{F346058B-1739-4FFC-A9E4-7FA92CADFF5D}" destId="{BF68794F-CE8C-4B65-9781-0F962F70BAF8}" srcOrd="0" destOrd="0" parTransId="{08C84BDF-2C43-4291-803D-0FBDE73106BE}" sibTransId="{510196D4-71A6-4293-BE75-DE176FE5842A}"/>
+    <dgm:cxn modelId="{3345AED6-7370-42B5-856F-A2F3C21F7A1D}" srcId="{BF68794F-CE8C-4B65-9781-0F962F70BAF8}" destId="{A1B4AD1A-828D-457F-8C06-DEB0F06BAE25}" srcOrd="1" destOrd="0" parTransId="{CEFC42E8-7D0C-4CAC-B23C-49633AB1AE88}" sibTransId="{02322AD8-19C6-465E-8295-0A8A5781765E}"/>
+    <dgm:cxn modelId="{B8598DD7-DC66-4FBB-A96B-8DE93136ECC4}" type="presOf" srcId="{5C524F21-1A7E-47A4-B4B0-AA9BC495AB1A}" destId="{434D05BC-1BF7-4A74-A697-B392A0706546}" srcOrd="0" destOrd="2" presId="urn:microsoft.com/office/officeart/2005/8/layout/list1"/>
     <dgm:cxn modelId="{8A2F41DD-7471-4D5B-BAF2-BFDF7D1CEEE3}" type="presOf" srcId="{BF68794F-CE8C-4B65-9781-0F962F70BAF8}" destId="{476B3224-C9BB-45D6-A543-3791B1E60E9C}" srcOrd="1" destOrd="0" presId="urn:microsoft.com/office/officeart/2005/8/layout/list1"/>
     <dgm:cxn modelId="{36965CF8-9611-4945-AB46-C12B2A8D4E65}" srcId="{BF68794F-CE8C-4B65-9781-0F962F70BAF8}" destId="{5DB4A350-B76E-4FAC-9D67-E86029D42CBD}" srcOrd="0" destOrd="0" parTransId="{40B33891-D946-4746-96D1-F13674578DDD}" sibTransId="{C124A494-5262-41C1-86BE-01CEDA87F240}"/>
     <dgm:cxn modelId="{2C56CFB5-129F-4D2C-A2E5-C008816F5192}" type="presParOf" srcId="{2F047876-6753-45F2-B4C8-FF21943EF401}" destId="{BCFCB4F1-FD0C-4B4A-AE82-250069BD4CC5}" srcOrd="0" destOrd="0" presId="urn:microsoft.com/office/officeart/2005/8/layout/list1"/>
@@ -4796,7 +4892,7 @@
         <a:p>
           <a:r>
             <a:rPr lang="en-US" sz="1400" dirty="0"/>
-            <a:t>Loaded the final data to Tableau or HTML dashboard</a:t>
+            <a:t>Loaded the final data to Tableau dashboard</a:t>
           </a:r>
           <a:endParaRPr lang="en-CA" sz="1400" dirty="0"/>
         </a:p>
@@ -5942,8 +6038,8 @@
       </dsp:nvSpPr>
       <dsp:spPr>
         <a:xfrm>
-          <a:off x="0" y="583737"/>
-          <a:ext cx="11134164" cy="1107225"/>
+          <a:off x="0" y="370437"/>
+          <a:ext cx="11134164" cy="1850625"/>
         </a:xfrm>
         <a:prstGeom prst="rect">
           <a:avLst/>
@@ -5984,7 +6080,7 @@
         <a:fontRef idx="minor"/>
       </dsp:style>
       <dsp:txBody>
-        <a:bodyPr spcFirstLastPara="0" vert="horz" wrap="square" lIns="864135" tIns="770636" rIns="864135" bIns="113792" numCol="1" spcCol="1270" anchor="t" anchorCtr="0">
+        <a:bodyPr spcFirstLastPara="0" vert="horz" wrap="square" lIns="864135" tIns="520700" rIns="864135" bIns="113792" numCol="1" spcCol="1270" anchor="t" anchorCtr="0">
           <a:noAutofit/>
         </a:bodyPr>
         <a:lstStyle/>
@@ -5999,18 +6095,64 @@
             <a:spcAft>
               <a:spcPct val="15000"/>
             </a:spcAft>
-            <a:buFont typeface="Wingdings" panose="05000000000000000000" pitchFamily="2" charset="2"/>
-            <a:buChar char="q"/>
+            <a:buFont typeface="Arial" panose="020B0604020202020204" pitchFamily="34" charset="0"/>
+            <a:buChar char="•"/>
           </a:pPr>
           <a:r>
             <a:rPr lang="en-CA" sz="1600" kern="1200" dirty="0"/>
-            <a:t> Our motivation is to build a weather forecasting model focusing on daily temperature  </a:t>
+            <a:t>For this project, we wanted to build a weather forecasting model focusing on daily temperature. Given that the data is in a time series format, we decided to run the analysis on two types of models and then compare the results to see which model provides more accurate predictions. </a:t>
+          </a:r>
+        </a:p>
+        <a:p>
+          <a:pPr marL="365760" lvl="1" indent="-171450" algn="l" defTabSz="711200">
+            <a:lnSpc>
+              <a:spcPct val="90000"/>
+            </a:lnSpc>
+            <a:spcBef>
+              <a:spcPct val="0"/>
+            </a:spcBef>
+            <a:spcAft>
+              <a:spcPct val="15000"/>
+            </a:spcAft>
+            <a:buFont typeface="Courier New" panose="02070309020205020404" pitchFamily="49" charset="0"/>
+            <a:buChar char="o"/>
+          </a:pPr>
+          <a:r>
+            <a:rPr lang="en-US" sz="1600" kern="1200" dirty="0"/>
+            <a:t>Autoregressive integrated moving average (</a:t>
+          </a:r>
+          <a:r>
+            <a:rPr lang="en-CA" sz="1600" kern="1200" dirty="0"/>
+            <a:t>ARIMA)</a:t>
+          </a:r>
+        </a:p>
+        <a:p>
+          <a:pPr marL="365760" lvl="1" indent="-171450" algn="l" defTabSz="711200">
+            <a:lnSpc>
+              <a:spcPct val="90000"/>
+            </a:lnSpc>
+            <a:spcBef>
+              <a:spcPct val="0"/>
+            </a:spcBef>
+            <a:spcAft>
+              <a:spcPct val="15000"/>
+            </a:spcAft>
+            <a:buFont typeface="Courier New" panose="02070309020205020404" pitchFamily="49" charset="0"/>
+            <a:buChar char="o"/>
+          </a:pPr>
+          <a:r>
+            <a:rPr lang="en-US" sz="1600" kern="1200" dirty="0"/>
+            <a:t>Long short-term memory (</a:t>
+          </a:r>
+          <a:r>
+            <a:rPr lang="en-CA" sz="1600" kern="1200" dirty="0"/>
+            <a:t>LSTM) neural network model</a:t>
           </a:r>
         </a:p>
       </dsp:txBody>
       <dsp:txXfrm>
-        <a:off x="0" y="583737"/>
-        <a:ext cx="11134164" cy="1107225"/>
+        <a:off x="0" y="370437"/>
+        <a:ext cx="11134164" cy="1850625"/>
       </dsp:txXfrm>
     </dsp:sp>
     <dsp:sp modelId="{476B3224-C9BB-45D6-A543-3791B1E60E9C}">
@@ -6020,8 +6162,8 @@
       </dsp:nvSpPr>
       <dsp:spPr>
         <a:xfrm>
-          <a:off x="388760" y="37617"/>
-          <a:ext cx="9054268" cy="1092240"/>
+          <a:off x="388760" y="1437"/>
+          <a:ext cx="9054268" cy="738000"/>
         </a:xfrm>
         <a:prstGeom prst="roundRect">
           <a:avLst/>
@@ -6082,14 +6224,14 @@
           </a:pPr>
           <a:r>
             <a:rPr lang="en-US" sz="2000" kern="1200" dirty="0"/>
-            <a:t>Motivation</a:t>
+            <a:t>Summary</a:t>
           </a:r>
           <a:endParaRPr lang="en-CA" sz="2000" kern="1200" dirty="0"/>
         </a:p>
       </dsp:txBody>
       <dsp:txXfrm>
-        <a:off x="442079" y="90936"/>
-        <a:ext cx="8947630" cy="985602"/>
+        <a:off x="424786" y="37463"/>
+        <a:ext cx="8982216" cy="665948"/>
       </dsp:txXfrm>
     </dsp:sp>
     <dsp:sp modelId="{2F81915F-14F6-466D-A6CF-5F1ACF3C1657}">
@@ -6099,8 +6241,8 @@
       </dsp:nvSpPr>
       <dsp:spPr>
         <a:xfrm>
-          <a:off x="0" y="2436882"/>
-          <a:ext cx="11134164" cy="1748250"/>
+          <a:off x="0" y="2725062"/>
+          <a:ext cx="11134164" cy="1496250"/>
         </a:xfrm>
         <a:prstGeom prst="rect">
           <a:avLst/>
@@ -6141,7 +6283,7 @@
         <a:fontRef idx="minor"/>
       </dsp:style>
       <dsp:txBody>
-        <a:bodyPr spcFirstLastPara="0" vert="horz" wrap="square" lIns="864135" tIns="770636" rIns="864135" bIns="99568" numCol="1" spcCol="1270" anchor="t" anchorCtr="0">
+        <a:bodyPr spcFirstLastPara="0" vert="horz" wrap="square" lIns="864135" tIns="520700" rIns="864135" bIns="99568" numCol="1" spcCol="1270" anchor="t" anchorCtr="0">
           <a:noAutofit/>
         </a:bodyPr>
         <a:lstStyle/>
@@ -6204,6 +6346,7 @@
             <a:spcAft>
               <a:spcPct val="15000"/>
             </a:spcAft>
+            <a:buFont typeface="Arial" panose="020B0604020202020204" pitchFamily="34" charset="0"/>
             <a:buChar char="•"/>
           </a:pPr>
           <a:r>
@@ -6237,6 +6380,7 @@
             <a:spcAft>
               <a:spcPct val="15000"/>
             </a:spcAft>
+            <a:buFont typeface="Arial" panose="020B0604020202020204" pitchFamily="34" charset="0"/>
             <a:buChar char="•"/>
           </a:pPr>
           <a:r>
@@ -6288,8 +6432,8 @@
         </a:p>
       </dsp:txBody>
       <dsp:txXfrm>
-        <a:off x="0" y="2436882"/>
-        <a:ext cx="11134164" cy="1748250"/>
+        <a:off x="0" y="2725062"/>
+        <a:ext cx="11134164" cy="1496250"/>
       </dsp:txXfrm>
     </dsp:sp>
     <dsp:sp modelId="{0ADA4083-5148-4249-AE0F-B34FCCBE0999}">
@@ -6299,8 +6443,8 @@
       </dsp:nvSpPr>
       <dsp:spPr>
         <a:xfrm>
-          <a:off x="388760" y="1890762"/>
-          <a:ext cx="9054268" cy="1092240"/>
+          <a:off x="388760" y="2356062"/>
+          <a:ext cx="9054268" cy="738000"/>
         </a:xfrm>
         <a:prstGeom prst="roundRect">
           <a:avLst/>
@@ -6366,8 +6510,8 @@
         </a:p>
       </dsp:txBody>
       <dsp:txXfrm>
-        <a:off x="442079" y="1944081"/>
-        <a:ext cx="8947630" cy="985602"/>
+        <a:off x="424786" y="2392088"/>
+        <a:ext cx="8982216" cy="665948"/>
       </dsp:txXfrm>
     </dsp:sp>
   </dsp:spTree>
@@ -8279,7 +8423,7 @@
           </a:pPr>
           <a:r>
             <a:rPr lang="en-US" sz="1400" kern="1200" dirty="0"/>
-            <a:t>Loaded the final data to Tableau or HTML dashboard</a:t>
+            <a:t>Loaded the final data to Tableau dashboard</a:t>
           </a:r>
           <a:endParaRPr lang="en-CA" sz="1400" kern="1200" dirty="0"/>
         </a:p>
@@ -16503,7 +16647,7 @@
           <a:p>
             <a:fld id="{02AC24A9-CCB6-4F8D-B8DB-C2F3692CFA5A}" type="datetimeFigureOut">
               <a:rPr lang="en-US" smtClean="0"/>
-              <a:t>7/14/2020</a:t>
+              <a:t>7/23/2020</a:t>
             </a:fld>
             <a:endParaRPr lang="en-US" dirty="0"/>
           </a:p>
@@ -16873,7 +17017,7 @@
           <a:p>
             <a:fld id="{02AC24A9-CCB6-4F8D-B8DB-C2F3692CFA5A}" type="datetimeFigureOut">
               <a:rPr lang="en-US" smtClean="0"/>
-              <a:t>7/14/2020</a:t>
+              <a:t>7/23/2020</a:t>
             </a:fld>
             <a:endParaRPr lang="en-US"/>
           </a:p>
@@ -17082,7 +17226,7 @@
           <a:p>
             <a:fld id="{02AC24A9-CCB6-4F8D-B8DB-C2F3692CFA5A}" type="datetimeFigureOut">
               <a:rPr lang="en-US" smtClean="0"/>
-              <a:t>7/14/2020</a:t>
+              <a:t>7/23/2020</a:t>
             </a:fld>
             <a:endParaRPr lang="en-US"/>
           </a:p>
@@ -17552,7 +17696,7 @@
           <a:p>
             <a:fld id="{02AC24A9-CCB6-4F8D-B8DB-C2F3692CFA5A}" type="datetimeFigureOut">
               <a:rPr lang="en-US" smtClean="0"/>
-              <a:t>7/14/2020</a:t>
+              <a:t>7/23/2020</a:t>
             </a:fld>
             <a:endParaRPr lang="en-US"/>
           </a:p>
@@ -18006,7 +18150,7 @@
           <a:p>
             <a:fld id="{02AC24A9-CCB6-4F8D-B8DB-C2F3692CFA5A}" type="datetimeFigureOut">
               <a:rPr lang="en-US" smtClean="0"/>
-              <a:t>7/14/2020</a:t>
+              <a:t>7/23/2020</a:t>
             </a:fld>
             <a:endParaRPr lang="en-US"/>
           </a:p>
@@ -18538,7 +18682,7 @@
           <a:p>
             <a:fld id="{02AC24A9-CCB6-4F8D-B8DB-C2F3692CFA5A}" type="datetimeFigureOut">
               <a:rPr lang="en-US" smtClean="0"/>
-              <a:t>7/14/2020</a:t>
+              <a:t>7/23/2020</a:t>
             </a:fld>
             <a:endParaRPr lang="en-US"/>
           </a:p>
@@ -19237,7 +19381,7 @@
           <a:p>
             <a:fld id="{02AC24A9-CCB6-4F8D-B8DB-C2F3692CFA5A}" type="datetimeFigureOut">
               <a:rPr lang="en-US" smtClean="0"/>
-              <a:t>7/14/2020</a:t>
+              <a:t>7/23/2020</a:t>
             </a:fld>
             <a:endParaRPr lang="en-US"/>
           </a:p>
@@ -19566,7 +19710,7 @@
           <a:p>
             <a:fld id="{02AC24A9-CCB6-4F8D-B8DB-C2F3692CFA5A}" type="datetimeFigureOut">
               <a:rPr lang="en-US" smtClean="0"/>
-              <a:t>7/14/2020</a:t>
+              <a:t>7/23/2020</a:t>
             </a:fld>
             <a:endParaRPr lang="en-US"/>
           </a:p>
@@ -19679,7 +19823,7 @@
           <a:p>
             <a:fld id="{02AC24A9-CCB6-4F8D-B8DB-C2F3692CFA5A}" type="datetimeFigureOut">
               <a:rPr lang="en-US" smtClean="0"/>
-              <a:t>7/14/2020</a:t>
+              <a:t>7/23/2020</a:t>
             </a:fld>
             <a:endParaRPr lang="en-US"/>
           </a:p>
@@ -20174,7 +20318,7 @@
           <a:p>
             <a:fld id="{02AC24A9-CCB6-4F8D-B8DB-C2F3692CFA5A}" type="datetimeFigureOut">
               <a:rPr lang="en-US" smtClean="0"/>
-              <a:t>7/14/2020</a:t>
+              <a:t>7/23/2020</a:t>
             </a:fld>
             <a:endParaRPr lang="en-US" dirty="0"/>
           </a:p>
@@ -20651,7 +20795,7 @@
           <a:p>
             <a:fld id="{02AC24A9-CCB6-4F8D-B8DB-C2F3692CFA5A}" type="datetimeFigureOut">
               <a:rPr lang="en-US" smtClean="0"/>
-              <a:t>7/14/2020</a:t>
+              <a:t>7/23/2020</a:t>
             </a:fld>
             <a:endParaRPr lang="en-US"/>
           </a:p>
@@ -20894,7 +21038,7 @@
           <a:p>
             <a:fld id="{02AC24A9-CCB6-4F8D-B8DB-C2F3692CFA5A}" type="datetimeFigureOut">
               <a:rPr lang="en-US" smtClean="0"/>
-              <a:t>7/14/2020</a:t>
+              <a:t>7/23/2020</a:t>
             </a:fld>
             <a:endParaRPr lang="en-US"/>
           </a:p>
@@ -21636,9 +21780,9 @@
         <p:grpSpPr>
           <a:xfrm>
             <a:off x="979668" y="1834919"/>
-            <a:ext cx="5351450" cy="812413"/>
+            <a:ext cx="7427214" cy="812413"/>
             <a:chOff x="5616952" y="2519949"/>
-            <a:chExt cx="5351450" cy="812413"/>
+            <a:chExt cx="7427214" cy="812413"/>
           </a:xfrm>
         </p:grpSpPr>
         <p:grpSp>
@@ -21656,9 +21800,9 @@
           <p:grpSpPr>
             <a:xfrm>
               <a:off x="6442238" y="2630866"/>
-              <a:ext cx="4526164" cy="701496"/>
+              <a:ext cx="6601928" cy="701496"/>
               <a:chOff x="6751979" y="1666120"/>
-              <a:chExt cx="4526164" cy="701496"/>
+              <a:chExt cx="6601928" cy="701496"/>
             </a:xfrm>
           </p:grpSpPr>
           <p:sp>
@@ -21713,7 +21857,7 @@
             <p:spPr>
               <a:xfrm>
                 <a:off x="6751979" y="1666120"/>
-                <a:ext cx="4507692" cy="507831"/>
+                <a:ext cx="6601928" cy="507831"/>
               </a:xfrm>
               <a:prstGeom prst="rect">
                 <a:avLst/>
@@ -21733,7 +21877,7 @@
                     </a:solidFill>
                     <a:cs typeface="Arial" pitchFamily="34" charset="0"/>
                   </a:rPr>
-                  <a:t>Contents</a:t>
+                  <a:t>Summary &amp; sources of information</a:t>
                 </a:r>
                 <a:endParaRPr lang="ko-KR" altLang="en-US" sz="2700" b="1" dirty="0">
                   <a:solidFill>
@@ -21905,7 +22049,7 @@
                     </a:solidFill>
                     <a:cs typeface="Arial" pitchFamily="34" charset="0"/>
                   </a:rPr>
-                  <a:t>Contents</a:t>
+                  <a:t>Process Summary</a:t>
                 </a:r>
                 <a:endParaRPr lang="ko-KR" altLang="en-US" sz="2700" b="1" dirty="0">
                   <a:solidFill>
@@ -22433,7 +22577,7 @@
                   <a:schemeClr val="bg1"/>
                 </a:solidFill>
               </a:rPr>
-              <a:t>Motivations &amp; Summary</a:t>
+              <a:t>Summary &amp; sources of information</a:t>
             </a:r>
           </a:p>
         </p:txBody>
@@ -22493,7 +22637,7 @@
           <a:p>
             <a:r>
               <a:rPr lang="en-US" dirty="0"/>
-              <a:t>Motivations &amp; Summary</a:t>
+              <a:t>Summary &amp; sources of information</a:t>
             </a:r>
           </a:p>
         </p:txBody>
@@ -22545,7 +22689,7 @@
           <p:nvPr>
             <p:extLst>
               <p:ext uri="{D42A27DB-BD31-4B8C-83A1-F6EECF244321}">
-                <p14:modId xmlns:p14="http://schemas.microsoft.com/office/powerpoint/2010/main" val="2991401181"/>
+                <p14:modId xmlns:p14="http://schemas.microsoft.com/office/powerpoint/2010/main" val="1830827757"/>
               </p:ext>
             </p:extLst>
           </p:nvPr>
@@ -22824,7 +22968,7 @@
           <p:nvPr>
             <p:extLst>
               <p:ext uri="{D42A27DB-BD31-4B8C-83A1-F6EECF244321}">
-                <p14:modId xmlns:p14="http://schemas.microsoft.com/office/powerpoint/2010/main" val="3750358155"/>
+                <p14:modId xmlns:p14="http://schemas.microsoft.com/office/powerpoint/2010/main" val="3778509223"/>
               </p:ext>
             </p:extLst>
           </p:nvPr>
@@ -23260,7 +23404,7 @@
             <a:pPr algn="ctr"/>
             <a:r>
               <a:rPr lang="en-US" b="1" dirty="0"/>
-              <a:t>API Request</a:t>
+              <a:t>Data Gathering</a:t>
             </a:r>
           </a:p>
           <a:p>
